--- a/PresentationPoster_NVR.pptx
+++ b/PresentationPoster_NVR.pptx
@@ -256,7 +256,7 @@
             <a:fld id="{0158C5BC-9A70-462C-B28D-9600239EAC64}" type="datetimeFigureOut">
               <a:rPr lang="en-US" smtClean="0"/>
               <a:pPr/>
-              <a:t>3/12/24</a:t>
+              <a:t>3/23/24</a:t>
             </a:fld>
             <a:endParaRPr lang="en-US"/>
           </a:p>
@@ -423,7 +423,7 @@
             <a:fld id="{E6CC2317-6751-4CD4-9995-8782DD78E936}" type="datetimeFigureOut">
               <a:rPr lang="en-US" smtClean="0"/>
               <a:pPr/>
-              <a:t>3/12/24</a:t>
+              <a:t>3/23/24</a:t>
             </a:fld>
             <a:endParaRPr lang="en-US" dirty="0"/>
           </a:p>
@@ -691,6 +691,91 @@
     </a:lvl9pPr>
   </p:notesStyle>
 </p:notesMaster>
+</file>
+
+<file path=ppt/notesSlides/notesSlide1.xml><?xml version="1.0" encoding="utf-8"?>
+<p:notes xmlns:a="http://schemas.openxmlformats.org/drawingml/2006/main" xmlns:r="http://schemas.openxmlformats.org/officeDocument/2006/relationships" xmlns:p="http://schemas.openxmlformats.org/presentationml/2006/main">
+  <p:cSld>
+    <p:spTree>
+      <p:nvGrpSpPr>
+        <p:cNvPr id="1" name=""/>
+        <p:cNvGrpSpPr/>
+        <p:nvPr/>
+      </p:nvGrpSpPr>
+      <p:grpSpPr>
+        <a:xfrm>
+          <a:off x="0" y="0"/>
+          <a:ext cx="0" cy="0"/>
+          <a:chOff x="0" y="0"/>
+          <a:chExt cx="0" cy="0"/>
+        </a:xfrm>
+      </p:grpSpPr>
+      <p:sp>
+        <p:nvSpPr>
+          <p:cNvPr id="2" name="Slide Image Placeholder 1"/>
+          <p:cNvSpPr>
+            <a:spLocks noGrp="1" noRot="1" noChangeAspect="1"/>
+          </p:cNvSpPr>
+          <p:nvPr>
+            <p:ph type="sldImg"/>
+          </p:nvPr>
+        </p:nvSpPr>
+        <p:spPr/>
+      </p:sp>
+      <p:sp>
+        <p:nvSpPr>
+          <p:cNvPr id="3" name="Notes Placeholder 2"/>
+          <p:cNvSpPr>
+            <a:spLocks noGrp="1"/>
+          </p:cNvSpPr>
+          <p:nvPr>
+            <p:ph type="body" idx="1"/>
+          </p:nvPr>
+        </p:nvSpPr>
+        <p:spPr/>
+        <p:txBody>
+          <a:bodyPr/>
+          <a:lstStyle/>
+          <a:p>
+            <a:endParaRPr lang="en-US"/>
+          </a:p>
+        </p:txBody>
+      </p:sp>
+      <p:sp>
+        <p:nvSpPr>
+          <p:cNvPr id="4" name="Slide Number Placeholder 3"/>
+          <p:cNvSpPr>
+            <a:spLocks noGrp="1"/>
+          </p:cNvSpPr>
+          <p:nvPr>
+            <p:ph type="sldNum" sz="quarter" idx="5"/>
+          </p:nvPr>
+        </p:nvSpPr>
+        <p:spPr/>
+        <p:txBody>
+          <a:bodyPr/>
+          <a:lstStyle/>
+          <a:p>
+            <a:fld id="{26A1A87D-CAF7-4BDC-A0D3-C0DBEDE81619}" type="slidenum">
+              <a:rPr lang="en-US" smtClean="0"/>
+              <a:pPr/>
+              <a:t>1</a:t>
+            </a:fld>
+            <a:endParaRPr lang="en-US" dirty="0"/>
+          </a:p>
+        </p:txBody>
+      </p:sp>
+    </p:spTree>
+    <p:extLst>
+      <p:ext uri="{BB962C8B-B14F-4D97-AF65-F5344CB8AC3E}">
+        <p14:creationId xmlns:p14="http://schemas.microsoft.com/office/powerpoint/2010/main" val="443480957"/>
+      </p:ext>
+    </p:extLst>
+  </p:cSld>
+  <p:clrMapOvr>
+    <a:masterClrMapping/>
+  </p:clrMapOvr>
+</p:notes>
 </file>
 
 <file path=ppt/slideLayouts/slideLayout1.xml><?xml version="1.0" encoding="utf-8"?>
@@ -10030,7 +10115,7 @@
         <p:spPr>
           <a:xfrm>
             <a:off x="459674" y="5688234"/>
-            <a:ext cx="10056813" cy="4693570"/>
+            <a:ext cx="10056813" cy="5463012"/>
           </a:xfrm>
           <a:solidFill>
             <a:schemeClr val="bg1">
@@ -10047,25 +10132,95 @@
           <a:p>
             <a:r>
               <a:rPr lang="en-US" kern="100" dirty="0">
+                <a:effectLst/>
+                <a:latin typeface="Arial" panose="020B0604020202020204" pitchFamily="34" charset="0"/>
                 <a:ea typeface="Aptos" panose="020B0004020202020204" pitchFamily="34" charset="0"/>
+                <a:cs typeface="Arial" panose="020B0604020202020204" pitchFamily="34" charset="0"/>
               </a:rPr>
-              <a:t>          </a:t>
+              <a:t>In recent years, there </a:t>
+            </a:r>
+            <a:r>
+              <a:rPr lang="en-US" kern="100" dirty="0">
+                <a:latin typeface="Arial" panose="020B0604020202020204" pitchFamily="34" charset="0"/>
+                <a:ea typeface="Aptos" panose="020B0004020202020204" pitchFamily="34" charset="0"/>
+                <a:cs typeface="Arial" panose="020B0604020202020204" pitchFamily="34" charset="0"/>
+              </a:rPr>
+              <a:t>has been a rise in the </a:t>
             </a:r>
             <a:r>
               <a:rPr lang="en-US" kern="100" dirty="0">
                 <a:effectLst/>
+                <a:latin typeface="Arial" panose="020B0604020202020204" pitchFamily="34" charset="0"/>
                 <a:ea typeface="Aptos" panose="020B0004020202020204" pitchFamily="34" charset="0"/>
+                <a:cs typeface="Arial" panose="020B0604020202020204" pitchFamily="34" charset="0"/>
               </a:rPr>
-              <a:t>In recent years, the NFL has seen a rise in the use of sports analytics alongside an increasing volume of available data, in applications ranging from player health and safety to evaluating player performance. This project aims to develop a predictive analytics model to predict the results of upcoming NFL games by using team statistics of previous games. The dataset used for this project includes game data that was pulled from ESPN and includes a wide variety of team statistics for both the home and away team, ranging from third down and fourth down efficiencies to passing yards gained, rushing yards gained, and offensive time of possession. The data manipulation, visualization and modeling for this project was performed using Python</a:t>
-            </a:r>
-            <a:r>
-              <a:rPr lang="en-US" sz="2400" kern="100" dirty="0">
+              <a:t>use of sports analytics alongside an increase in volume of available data in the NFL. </a:t>
+            </a:r>
+            <a:r>
+              <a:rPr lang="en-US" kern="100" dirty="0">
+                <a:latin typeface="Arial" panose="020B0604020202020204" pitchFamily="34" charset="0"/>
+                <a:ea typeface="Aptos" panose="020B0004020202020204" pitchFamily="34" charset="0"/>
+                <a:cs typeface="Arial" panose="020B0604020202020204" pitchFamily="34" charset="0"/>
+              </a:rPr>
+              <a:t>T</a:t>
+            </a:r>
+            <a:r>
+              <a:rPr lang="en-US" kern="100" dirty="0">
                 <a:effectLst/>
-                <a:latin typeface="Abadi" panose="020B0604020104020204" pitchFamily="34" charset="0"/>
+                <a:latin typeface="Arial" panose="020B0604020202020204" pitchFamily="34" charset="0"/>
                 <a:ea typeface="Aptos" panose="020B0004020202020204" pitchFamily="34" charset="0"/>
+                <a:cs typeface="Arial" panose="020B0604020202020204" pitchFamily="34" charset="0"/>
               </a:rPr>
-              <a:t>.</a:t>
-            </a:r>
+              <a:t>his project’s goal is to develop a predictive analytics model that predicts the results of upcoming NFL games by training a K-Nearest Neighbor Model on team statistics of previous games. The Kaggle dataset that was </a:t>
+            </a:r>
+            <a:r>
+              <a:rPr lang="en-US" kern="100" dirty="0">
+                <a:latin typeface="Arial" panose="020B0604020202020204" pitchFamily="34" charset="0"/>
+                <a:ea typeface="Aptos" panose="020B0004020202020204" pitchFamily="34" charset="0"/>
+                <a:cs typeface="Arial" panose="020B0604020202020204" pitchFamily="34" charset="0"/>
+              </a:rPr>
+              <a:t>used</a:t>
+            </a:r>
+            <a:r>
+              <a:rPr lang="en-US" kern="100" dirty="0">
+                <a:effectLst/>
+                <a:latin typeface="Arial" panose="020B0604020202020204" pitchFamily="34" charset="0"/>
+                <a:ea typeface="Aptos" panose="020B0004020202020204" pitchFamily="34" charset="0"/>
+                <a:cs typeface="Arial" panose="020B0604020202020204" pitchFamily="34" charset="0"/>
+              </a:rPr>
+              <a:t> for this project consisted of game data that was pulled from ESPN and includes a wide variety of team statistics for both the home and away team for each NFL game sinc</a:t>
+            </a:r>
+            <a:r>
+              <a:rPr lang="en-US" kern="100" dirty="0">
+                <a:latin typeface="Arial" panose="020B0604020202020204" pitchFamily="34" charset="0"/>
+                <a:ea typeface="Aptos" panose="020B0004020202020204" pitchFamily="34" charset="0"/>
+                <a:cs typeface="Arial" panose="020B0604020202020204" pitchFamily="34" charset="0"/>
+              </a:rPr>
+              <a:t>e 2002</a:t>
+            </a:r>
+            <a:r>
+              <a:rPr lang="en-US" kern="100" dirty="0">
+                <a:effectLst/>
+                <a:latin typeface="Arial" panose="020B0604020202020204" pitchFamily="34" charset="0"/>
+                <a:ea typeface="Aptos" panose="020B0004020202020204" pitchFamily="34" charset="0"/>
+                <a:cs typeface="Arial" panose="020B0604020202020204" pitchFamily="34" charset="0"/>
+              </a:rPr>
+              <a:t>. Statistics that were included range from third down and fourth down efficiencies to passing yards gained, rushing yards gained, and offensive time of possession. For this project, Python was used for the data manipulation, visualization and modeling stages. The </a:t>
+            </a:r>
+            <a:r>
+              <a:rPr lang="en-US" kern="100" dirty="0">
+                <a:latin typeface="Arial" panose="020B0604020202020204" pitchFamily="34" charset="0"/>
+                <a:ea typeface="Aptos" panose="020B0004020202020204" pitchFamily="34" charset="0"/>
+                <a:cs typeface="Arial" panose="020B0604020202020204" pitchFamily="34" charset="0"/>
+              </a:rPr>
+              <a:t>model for this project provided accuracy scores of 62% and 60%.</a:t>
+            </a:r>
+            <a:endParaRPr lang="en-US" sz="2400" kern="100" dirty="0">
+              <a:effectLst/>
+              <a:latin typeface="Arial" panose="020B0604020202020204" pitchFamily="34" charset="0"/>
+              <a:ea typeface="Aptos" panose="020B0004020202020204" pitchFamily="34" charset="0"/>
+              <a:cs typeface="Arial" panose="020B0604020202020204" pitchFamily="34" charset="0"/>
+            </a:endParaRPr>
           </a:p>
         </p:txBody>
       </p:sp>
@@ -10097,7 +10252,10 @@
           <a:p>
             <a:pPr algn="ctr"/>
             <a:r>
-              <a:rPr lang="en-US" dirty="0"/>
+              <a:rPr lang="en-US" dirty="0">
+                <a:latin typeface="Arial" panose="020B0604020202020204" pitchFamily="34" charset="0"/>
+                <a:cs typeface="Arial" panose="020B0604020202020204" pitchFamily="34" charset="0"/>
+              </a:rPr>
               <a:t>Abstract</a:t>
             </a:r>
           </a:p>
@@ -10121,7 +10279,7 @@
         </p:nvSpPr>
         <p:spPr>
           <a:xfrm>
-            <a:off x="453890" y="11465718"/>
+            <a:off x="495490" y="11834680"/>
             <a:ext cx="10050462" cy="754045"/>
           </a:xfrm>
         </p:spPr>
@@ -10131,7 +10289,10 @@
           <a:p>
             <a:pPr algn="ctr"/>
             <a:r>
-              <a:rPr lang="en-US" dirty="0"/>
+              <a:rPr lang="en-US" dirty="0">
+                <a:latin typeface="Arial" panose="020B0604020202020204" pitchFamily="34" charset="0"/>
+                <a:cs typeface="Arial" panose="020B0604020202020204" pitchFamily="34" charset="0"/>
+              </a:rPr>
               <a:t>Introduction/Objectives</a:t>
             </a:r>
           </a:p>
@@ -10156,7 +10317,7 @@
         <p:spPr>
           <a:xfrm>
             <a:off x="11460161" y="5688235"/>
-            <a:ext cx="10048874" cy="17004633"/>
+            <a:ext cx="10048874" cy="17851018"/>
           </a:xfrm>
           <a:noFill/>
         </p:spPr>
@@ -10165,23 +10326,38 @@
           <a:lstStyle/>
           <a:p>
             <a:r>
-              <a:rPr lang="en-US" b="1" dirty="0"/>
+              <a:rPr lang="en-US" b="1" dirty="0">
+                <a:latin typeface="Arial" panose="020B0604020202020204" pitchFamily="34" charset="0"/>
+                <a:cs typeface="Arial" panose="020B0604020202020204" pitchFamily="34" charset="0"/>
+              </a:rPr>
               <a:t>Data Collection:</a:t>
             </a:r>
-            <a:endParaRPr lang="en-US" dirty="0"/>
-          </a:p>
-          <a:p>
-            <a:r>
-              <a:rPr lang="en-US" dirty="0"/>
-              <a:t>The data for this project was from a dataset from Kaggle posted by user CVIAXMIWNPTR. At the time of retrieval, the dataset contained game data dating back to the 2002-2003 to the 2022-2023 NFL seasons and includes both regular and postseason games. The user obtained the data by scraping the data from ESPN. </a:t>
-            </a:r>
-          </a:p>
-          <a:p>
-            <a:endParaRPr lang="en-US" dirty="0"/>
-          </a:p>
-          <a:p>
-            <a:r>
-              <a:rPr lang="en-US" b="1" dirty="0"/>
+            <a:endParaRPr lang="en-US" dirty="0">
+              <a:latin typeface="Arial" panose="020B0604020202020204" pitchFamily="34" charset="0"/>
+              <a:cs typeface="Arial" panose="020B0604020202020204" pitchFamily="34" charset="0"/>
+            </a:endParaRPr>
+          </a:p>
+          <a:p>
+            <a:r>
+              <a:rPr lang="en-US" dirty="0">
+                <a:latin typeface="Arial" panose="020B0604020202020204" pitchFamily="34" charset="0"/>
+                <a:cs typeface="Arial" panose="020B0604020202020204" pitchFamily="34" charset="0"/>
+              </a:rPr>
+              <a:t>The data for this project was from a dataset from Kaggle posted by user CVIAXMIWNPTR. At the time of retrieval, the dataset contained game data dating back to the 2002-2003 to the 2022-2023 NFL seasons and included both regular and postseason games. The user obtained the data by scraping the data from ESPN. </a:t>
+            </a:r>
+          </a:p>
+          <a:p>
+            <a:endParaRPr lang="en-US" dirty="0">
+              <a:latin typeface="Arial" panose="020B0604020202020204" pitchFamily="34" charset="0"/>
+              <a:cs typeface="Arial" panose="020B0604020202020204" pitchFamily="34" charset="0"/>
+            </a:endParaRPr>
+          </a:p>
+          <a:p>
+            <a:r>
+              <a:rPr lang="en-US" b="1" dirty="0">
+                <a:latin typeface="Arial" panose="020B0604020202020204" pitchFamily="34" charset="0"/>
+                <a:cs typeface="Arial" panose="020B0604020202020204" pitchFamily="34" charset="0"/>
+              </a:rPr>
               <a:t>Data Cleaning</a:t>
             </a:r>
           </a:p>
@@ -10195,6 +10371,8 @@
                 <a:solidFill>
                   <a:schemeClr val="tx1"/>
                 </a:solidFill>
+                <a:latin typeface="Arial" panose="020B0604020202020204" pitchFamily="34" charset="0"/>
+                <a:cs typeface="Arial" panose="020B0604020202020204" pitchFamily="34" charset="0"/>
               </a:rPr>
               <a:t>Dealing With Games Resulting in a Tie</a:t>
             </a:r>
@@ -10203,24 +10381,24 @@
             <a:pPr lvl="1"/>
             <a:r>
               <a:rPr lang="en-US" dirty="0">
-                <a:latin typeface="Times New Roman" panose="02020603050405020304" pitchFamily="18" charset="0"/>
-                <a:cs typeface="Times New Roman" panose="02020603050405020304" pitchFamily="18" charset="0"/>
+                <a:latin typeface="Arial" panose="020B0604020202020204" pitchFamily="34" charset="0"/>
+                <a:cs typeface="Arial" panose="020B0604020202020204" pitchFamily="34" charset="0"/>
               </a:rPr>
-              <a:t>Out of the total number of games played in the entire dataset 14 games resulted in a tie (0.2482%). These 14 games were dropped from the dataset, enabling the target variable (</a:t>
+              <a:t>Out of the total number of games played, only 14 games resulted in a tie (0.2482%). These 14 games were eventually dropped from the dataset. This change enabled the target variable, </a:t>
             </a:r>
             <a:r>
               <a:rPr lang="en-US" dirty="0" err="1">
-                <a:latin typeface="Times New Roman" panose="02020603050405020304" pitchFamily="18" charset="0"/>
-                <a:cs typeface="Times New Roman" panose="02020603050405020304" pitchFamily="18" charset="0"/>
+                <a:latin typeface="Arial" panose="020B0604020202020204" pitchFamily="34" charset="0"/>
+                <a:cs typeface="Arial" panose="020B0604020202020204" pitchFamily="34" charset="0"/>
               </a:rPr>
               <a:t>game_result</a:t>
             </a:r>
             <a:r>
               <a:rPr lang="en-US" dirty="0">
-                <a:latin typeface="Times New Roman" panose="02020603050405020304" pitchFamily="18" charset="0"/>
-                <a:cs typeface="Times New Roman" panose="02020603050405020304" pitchFamily="18" charset="0"/>
+                <a:latin typeface="Arial" panose="020B0604020202020204" pitchFamily="34" charset="0"/>
+                <a:cs typeface="Arial" panose="020B0604020202020204" pitchFamily="34" charset="0"/>
               </a:rPr>
-              <a:t>) to be binary (either the home team or away team wins).</a:t>
+              <a:t>, to be binary (either the home team or away team wins).</a:t>
             </a:r>
           </a:p>
           <a:p>
@@ -10229,7 +10407,10 @@
               <a:buChar char="•"/>
             </a:pPr>
             <a:r>
-              <a:rPr lang="en-US" dirty="0"/>
+              <a:rPr lang="en-US" dirty="0">
+                <a:latin typeface="Arial" panose="020B0604020202020204" pitchFamily="34" charset="0"/>
+                <a:cs typeface="Arial" panose="020B0604020202020204" pitchFamily="34" charset="0"/>
+              </a:rPr>
               <a:t>Dealing With Postseason Games</a:t>
             </a:r>
           </a:p>
@@ -10237,10 +10418,10 @@
             <a:pPr lvl="1"/>
             <a:r>
               <a:rPr lang="en-US" dirty="0">
-                <a:latin typeface="Times New Roman" panose="02020603050405020304" pitchFamily="18" charset="0"/>
-                <a:cs typeface="Times New Roman" panose="02020603050405020304" pitchFamily="18" charset="0"/>
+                <a:latin typeface="Arial" panose="020B0604020202020204" pitchFamily="34" charset="0"/>
+                <a:cs typeface="Arial" panose="020B0604020202020204" pitchFamily="34" charset="0"/>
               </a:rPr>
-              <a:t>With the dataset including postseason games, this in turn causes teams to have differing number of games played. The solution to this was to obtain the dates of the first and last postseason games of each season and drop them from the dataset. </a:t>
+              <a:t>With the dataset including postseason games, the 32 NFL teams ended up playing different amounts of games played. This was resolved by dropping the postseason games, causing each team to have roughly the same number of games played.</a:t>
             </a:r>
           </a:p>
           <a:p>
@@ -10249,7 +10430,10 @@
               <a:buChar char="•"/>
             </a:pPr>
             <a:r>
-              <a:rPr lang="en-US" dirty="0"/>
+              <a:rPr lang="en-US" dirty="0">
+                <a:latin typeface="Arial" panose="020B0604020202020204" pitchFamily="34" charset="0"/>
+                <a:cs typeface="Arial" panose="020B0604020202020204" pitchFamily="34" charset="0"/>
+              </a:rPr>
               <a:t>Obtaining Team and Average Team Statistics</a:t>
             </a:r>
           </a:p>
@@ -10257,20 +10441,10 @@
             <a:pPr lvl="1"/>
             <a:r>
               <a:rPr lang="en-US" dirty="0">
-                <a:latin typeface="Times New Roman" panose="02020603050405020304" pitchFamily="18" charset="0"/>
-                <a:cs typeface="Times New Roman" panose="02020603050405020304" pitchFamily="18" charset="0"/>
+                <a:latin typeface="Arial" panose="020B0604020202020204" pitchFamily="34" charset="0"/>
+                <a:cs typeface="Arial" panose="020B0604020202020204" pitchFamily="34" charset="0"/>
               </a:rPr>
-              <a:t>With the data containing both the home and away team statistics for each game, 32 separate data frames had to be created (one for each team). </a:t>
-            </a:r>
-          </a:p>
-          <a:p>
-            <a:pPr lvl="1"/>
-            <a:r>
-              <a:rPr lang="en-US" dirty="0">
-                <a:latin typeface="Times New Roman" panose="02020603050405020304" pitchFamily="18" charset="0"/>
-                <a:cs typeface="Times New Roman" panose="02020603050405020304" pitchFamily="18" charset="0"/>
-              </a:rPr>
-              <a:t>For the team, the statistics were modified to be at the previous 4 game averages for the team for both offensive and defensive statistics. </a:t>
+              <a:t>32 separate data fames were created, one for each team. For each of these data frames, the statistics were modified so that each games consisted of the previous 4 game averages for the team for both offensive and defensive statistics. Then each team data frame was combined back into one data frame.</a:t>
             </a:r>
           </a:p>
           <a:p>
@@ -10279,7 +10453,10 @@
               <a:buChar char="•"/>
             </a:pPr>
             <a:r>
-              <a:rPr lang="en-US" dirty="0"/>
+              <a:rPr lang="en-US" dirty="0">
+                <a:latin typeface="Arial" panose="020B0604020202020204" pitchFamily="34" charset="0"/>
+                <a:cs typeface="Arial" panose="020B0604020202020204" pitchFamily="34" charset="0"/>
+              </a:rPr>
               <a:t>Condensing Number of Seasons</a:t>
             </a:r>
           </a:p>
@@ -10287,30 +10464,41 @@
             <a:pPr lvl="1"/>
             <a:r>
               <a:rPr lang="en-US" dirty="0">
-                <a:latin typeface="Times New Roman" panose="02020603050405020304" pitchFamily="18" charset="0"/>
-                <a:cs typeface="Times New Roman" panose="02020603050405020304" pitchFamily="18" charset="0"/>
+                <a:latin typeface="Arial" panose="020B0604020202020204" pitchFamily="34" charset="0"/>
+                <a:cs typeface="Arial" panose="020B0604020202020204" pitchFamily="34" charset="0"/>
               </a:rPr>
-              <a:t>During the EDA of the dataset, it was found that beginning in 2012, there was an uptick in the number of passing plays ran per game alongside a slight downturn in the number of rushing plays ran per game. This provides the season to trim the dataset down to. </a:t>
-            </a:r>
-            <a:endParaRPr lang="en-US" dirty="0"/>
+              <a:t>During the EDA of the dataset, it was found that beginning in 2012 that there was an uptick in the number of passing plays ran per game alongside a slight downturn in the number of rushing plays ran per game. This insight provided the season to trim the dataset down to. </a:t>
+            </a:r>
+          </a:p>
+          <a:p>
+            <a:pPr lvl="1"/>
+            <a:endParaRPr lang="en-US" dirty="0">
+              <a:latin typeface="Arial" panose="020B0604020202020204" pitchFamily="34" charset="0"/>
+              <a:cs typeface="Arial" panose="020B0604020202020204" pitchFamily="34" charset="0"/>
+            </a:endParaRPr>
           </a:p>
           <a:p>
             <a:pPr indent="-571471"/>
-            <a:endParaRPr lang="en-US" dirty="0"/>
+            <a:r>
+              <a:rPr lang="en-US" b="1" dirty="0">
+                <a:latin typeface="Arial" panose="020B0604020202020204" pitchFamily="34" charset="0"/>
+                <a:cs typeface="Arial" panose="020B0604020202020204" pitchFamily="34" charset="0"/>
+              </a:rPr>
+              <a:t>Model Selection</a:t>
+            </a:r>
+            <a:endParaRPr lang="en-US" dirty="0">
+              <a:latin typeface="Arial" panose="020B0604020202020204" pitchFamily="34" charset="0"/>
+              <a:cs typeface="Arial" panose="020B0604020202020204" pitchFamily="34" charset="0"/>
+            </a:endParaRPr>
           </a:p>
           <a:p>
             <a:pPr indent="-571471"/>
             <a:r>
-              <a:rPr lang="en-US" b="1" dirty="0"/>
-              <a:t>Model Selection</a:t>
-            </a:r>
-            <a:endParaRPr lang="en-US" dirty="0"/>
-          </a:p>
-          <a:p>
-            <a:pPr indent="-571471"/>
-            <a:r>
-              <a:rPr lang="en-US" dirty="0"/>
-              <a:t>The model selected was the K-Nearest Neighbor (KNN) Classifier Model. The KNN Classifier Model looks at the k closest known datapoints to a datapoint that the model is trying to predict. In this case, the model will be looking at games where the home and away teams had similar statistics entering the games as the game the model is trying to predict. </a:t>
+              <a:rPr lang="en-US" dirty="0">
+                <a:latin typeface="Arial" panose="020B0604020202020204" pitchFamily="34" charset="0"/>
+                <a:cs typeface="Arial" panose="020B0604020202020204" pitchFamily="34" charset="0"/>
+              </a:rPr>
+              <a:t>The model selected was the K-Nearest Neighbor (KNN) Classifier Model. In the case of this project, the KNN Classifier model will be looking at games where the home and away teams had similar statistics entering a game compared to the game that the model is currently trying to predict. </a:t>
             </a:r>
           </a:p>
         </p:txBody>
@@ -10343,7 +10531,10 @@
           <a:p>
             <a:pPr algn="ctr"/>
             <a:r>
-              <a:rPr lang="en-US" dirty="0"/>
+              <a:rPr lang="en-US" dirty="0">
+                <a:latin typeface="Arial" panose="020B0604020202020204" pitchFamily="34" charset="0"/>
+                <a:cs typeface="Arial" panose="020B0604020202020204" pitchFamily="34" charset="0"/>
+              </a:rPr>
               <a:t>Materials/Methods</a:t>
             </a:r>
           </a:p>
@@ -10368,7 +10559,7 @@
         <p:spPr>
           <a:xfrm>
             <a:off x="22385343" y="5688235"/>
-            <a:ext cx="10048874" cy="10310493"/>
+            <a:ext cx="10048874" cy="9387163"/>
           </a:xfrm>
           <a:noFill/>
         </p:spPr>
@@ -10378,14 +10569,20 @@
           <a:p>
             <a:pPr indent="-571471"/>
             <a:r>
-              <a:rPr lang="en-US" b="1" dirty="0"/>
+              <a:rPr lang="en-US" b="1" dirty="0">
+                <a:latin typeface="Arial" panose="020B0604020202020204" pitchFamily="34" charset="0"/>
+                <a:cs typeface="Arial" panose="020B0604020202020204" pitchFamily="34" charset="0"/>
+              </a:rPr>
               <a:t>Model Selection (Cont.)</a:t>
             </a:r>
           </a:p>
           <a:p>
             <a:pPr indent="-571471"/>
             <a:r>
-              <a:rPr lang="en-US" b="1" i="1" dirty="0"/>
+              <a:rPr lang="en-US" b="1" i="1" dirty="0">
+                <a:latin typeface="Arial" panose="020B0604020202020204" pitchFamily="34" charset="0"/>
+                <a:cs typeface="Arial" panose="020B0604020202020204" pitchFamily="34" charset="0"/>
+              </a:rPr>
               <a:t>Train-Test-Validate Split of Data</a:t>
             </a:r>
           </a:p>
@@ -10395,8 +10592,11 @@
               <a:buChar char="•"/>
             </a:pPr>
             <a:r>
-              <a:rPr lang="en-US" dirty="0"/>
-              <a:t>To train, test, and validate the model, the data need to be split. The validation data was the most recent year in the dataset (the 2022-203 NFL Season). </a:t>
+              <a:rPr lang="en-US" dirty="0">
+                <a:latin typeface="Arial" panose="020B0604020202020204" pitchFamily="34" charset="0"/>
+                <a:cs typeface="Arial" panose="020B0604020202020204" pitchFamily="34" charset="0"/>
+              </a:rPr>
+              <a:t>For the model, the validation data that was selected was the most recent year in the dataset (the 2022-203 NFL Season). </a:t>
             </a:r>
           </a:p>
           <a:p>
@@ -10405,18 +10605,20 @@
               <a:buChar char="•"/>
             </a:pPr>
             <a:r>
-              <a:rPr lang="en-US" dirty="0"/>
+              <a:rPr lang="en-US" dirty="0">
+                <a:latin typeface="Arial" panose="020B0604020202020204" pitchFamily="34" charset="0"/>
+                <a:cs typeface="Arial" panose="020B0604020202020204" pitchFamily="34" charset="0"/>
+              </a:rPr>
               <a:t>The remaining games were used to create the training and test data. To match the roughly 270 games in the 2022-2023 NFL season, 10% of the remaining data was used to create the testing data. (2309-257-269).</a:t>
             </a:r>
           </a:p>
           <a:p>
             <a:pPr indent="-571471"/>
-            <a:endParaRPr lang="en-US" dirty="0"/>
-          </a:p>
-          <a:p>
-            <a:pPr indent="-571471"/>
-            <a:r>
-              <a:rPr lang="en-US" b="1" i="1" dirty="0"/>
+            <a:r>
+              <a:rPr lang="en-US" b="1" i="1" dirty="0">
+                <a:latin typeface="Arial" panose="020B0604020202020204" pitchFamily="34" charset="0"/>
+                <a:cs typeface="Arial" panose="020B0604020202020204" pitchFamily="34" charset="0"/>
+              </a:rPr>
               <a:t>Optimal Number of Neighbors</a:t>
             </a:r>
           </a:p>
@@ -10426,12 +10628,12 @@
               <a:buChar char="•"/>
             </a:pPr>
             <a:r>
-              <a:rPr lang="en-US" dirty="0"/>
-              <a:t>The optimal number of neighbors to evaluate the future games was determined by using a for loop that increased the number of neighbors for the model while fitting the model on the training data, and then testing and validating the predictions on the test and validation data. </a:t>
-            </a:r>
-          </a:p>
-          <a:p>
-            <a:endParaRPr lang="en-US" dirty="0"/>
+              <a:rPr lang="en-US" dirty="0">
+                <a:latin typeface="Arial" panose="020B0604020202020204" pitchFamily="34" charset="0"/>
+                <a:cs typeface="Arial" panose="020B0604020202020204" pitchFamily="34" charset="0"/>
+              </a:rPr>
+              <a:t>The optimal number of neighbors to evaluate the future games was determined by using a for loop that changed the number of neighbors for the model. </a:t>
+            </a:r>
           </a:p>
           <a:p>
             <a:pPr indent="-571471">
@@ -10439,7 +10641,10 @@
               <a:buChar char="•"/>
             </a:pPr>
             <a:r>
-              <a:rPr lang="en-US" dirty="0"/>
+              <a:rPr lang="en-US" dirty="0">
+                <a:latin typeface="Arial" panose="020B0604020202020204" pitchFamily="34" charset="0"/>
+                <a:cs typeface="Arial" panose="020B0604020202020204" pitchFamily="34" charset="0"/>
+              </a:rPr>
               <a:t>The optimal number of neighbors that returned the highest accuracy score for both the testing and validation data was 21 neighbors. </a:t>
             </a:r>
           </a:p>
@@ -10449,11 +10654,17 @@
               <a:buChar char="•"/>
             </a:pPr>
             <a:r>
-              <a:rPr lang="en-US" b="1" dirty="0"/>
+              <a:rPr lang="en-US" b="1" dirty="0">
+                <a:latin typeface="Arial" panose="020B0604020202020204" pitchFamily="34" charset="0"/>
+                <a:cs typeface="Arial" panose="020B0604020202020204" pitchFamily="34" charset="0"/>
+              </a:rPr>
               <a:t>Testing Data Accuracy: </a:t>
             </a:r>
             <a:r>
-              <a:rPr lang="en-US" dirty="0"/>
+              <a:rPr lang="en-US" dirty="0">
+                <a:latin typeface="Arial" panose="020B0604020202020204" pitchFamily="34" charset="0"/>
+                <a:cs typeface="Arial" panose="020B0604020202020204" pitchFamily="34" charset="0"/>
+              </a:rPr>
               <a:t>62.64591439688716%</a:t>
             </a:r>
           </a:p>
@@ -10463,27 +10674,45 @@
               <a:buChar char="•"/>
             </a:pPr>
             <a:r>
-              <a:rPr lang="en-US" b="1" dirty="0"/>
+              <a:rPr lang="en-US" b="1" dirty="0">
+                <a:latin typeface="Arial" panose="020B0604020202020204" pitchFamily="34" charset="0"/>
+                <a:cs typeface="Arial" panose="020B0604020202020204" pitchFamily="34" charset="0"/>
+              </a:rPr>
               <a:t>Validation Data Accuracy: </a:t>
             </a:r>
             <a:r>
-              <a:rPr lang="en-US" dirty="0"/>
+              <a:rPr lang="en-US" dirty="0">
+                <a:latin typeface="Arial" panose="020B0604020202020204" pitchFamily="34" charset="0"/>
+                <a:cs typeface="Arial" panose="020B0604020202020204" pitchFamily="34" charset="0"/>
+              </a:rPr>
               <a:t>60.59479553903345%</a:t>
             </a:r>
           </a:p>
           <a:p>
-            <a:endParaRPr lang="en-US" dirty="0"/>
-          </a:p>
-          <a:p>
-            <a:r>
-              <a:rPr lang="en-US" b="1" i="1" dirty="0"/>
+            <a:endParaRPr lang="en-US" dirty="0">
+              <a:latin typeface="Arial" panose="020B0604020202020204" pitchFamily="34" charset="0"/>
+              <a:cs typeface="Arial" panose="020B0604020202020204" pitchFamily="34" charset="0"/>
+            </a:endParaRPr>
+          </a:p>
+          <a:p>
+            <a:r>
+              <a:rPr lang="en-US" b="1" i="1" dirty="0">
+                <a:latin typeface="Arial" panose="020B0604020202020204" pitchFamily="34" charset="0"/>
+                <a:cs typeface="Arial" panose="020B0604020202020204" pitchFamily="34" charset="0"/>
+              </a:rPr>
               <a:t>Model Results</a:t>
             </a:r>
-            <a:endParaRPr lang="en-US" dirty="0"/>
-          </a:p>
-          <a:p>
-            <a:r>
-              <a:rPr lang="en-US" dirty="0"/>
+            <a:endParaRPr lang="en-US" dirty="0">
+              <a:latin typeface="Arial" panose="020B0604020202020204" pitchFamily="34" charset="0"/>
+              <a:cs typeface="Arial" panose="020B0604020202020204" pitchFamily="34" charset="0"/>
+            </a:endParaRPr>
+          </a:p>
+          <a:p>
+            <a:r>
+              <a:rPr lang="en-US" dirty="0">
+                <a:latin typeface="Arial" panose="020B0604020202020204" pitchFamily="34" charset="0"/>
+                <a:cs typeface="Arial" panose="020B0604020202020204" pitchFamily="34" charset="0"/>
+              </a:rPr>
               <a:t>Running the model with 21 neighbors, the following classification reports and confusion matrices were reported. </a:t>
             </a:r>
           </a:p>
@@ -10517,7 +10746,10 @@
           <a:p>
             <a:pPr algn="ctr"/>
             <a:r>
-              <a:rPr lang="en-US" dirty="0"/>
+              <a:rPr lang="en-US" dirty="0">
+                <a:latin typeface="Arial" panose="020B0604020202020204" pitchFamily="34" charset="0"/>
+                <a:cs typeface="Arial" panose="020B0604020202020204" pitchFamily="34" charset="0"/>
+              </a:rPr>
               <a:t>Results</a:t>
             </a:r>
           </a:p>
@@ -10551,7 +10783,10 @@
           <a:p>
             <a:pPr algn="ctr"/>
             <a:r>
-              <a:rPr lang="en-US" dirty="0"/>
+              <a:rPr lang="en-US" dirty="0">
+                <a:latin typeface="Arial" panose="020B0604020202020204" pitchFamily="34" charset="0"/>
+                <a:cs typeface="Arial" panose="020B0604020202020204" pitchFamily="34" charset="0"/>
+              </a:rPr>
               <a:t>Conclusions</a:t>
             </a:r>
           </a:p>
@@ -10576,7 +10811,7 @@
         <p:spPr>
           <a:xfrm>
             <a:off x="33390292" y="5730100"/>
-            <a:ext cx="10047018" cy="8450319"/>
+            <a:ext cx="10047018" cy="7771336"/>
           </a:xfrm>
           <a:solidFill>
             <a:schemeClr val="bg1">
@@ -10589,30 +10824,62 @@
           <a:lstStyle/>
           <a:p>
             <a:r>
-              <a:rPr lang="en-US" b="1" dirty="0"/>
+              <a:rPr lang="en-US" b="1" dirty="0">
+                <a:latin typeface="Arial" panose="020B0604020202020204" pitchFamily="34" charset="0"/>
+                <a:cs typeface="Arial" panose="020B0604020202020204" pitchFamily="34" charset="0"/>
+              </a:rPr>
               <a:t>Conclusions</a:t>
             </a:r>
           </a:p>
           <a:p>
             <a:r>
-              <a:rPr lang="en-US" dirty="0"/>
-              <a:t>Using the KNN Classifier Model to predict the outcome of future games produces accuracy scores in the mid-to-upper fifty percent and lower sixty percent range. One possible reason for the lower accuracy scores is that the model has difficulties when it comes to accurately predicting away team victories. When trying to predict both the testing and validation data, the model has a large number of false negatives relative to the number of away team victories. This could be due to there being more games in which the home team wins. </a:t>
-            </a:r>
-          </a:p>
-          <a:p>
-            <a:endParaRPr lang="en-US" dirty="0"/>
-          </a:p>
-          <a:p>
-            <a:r>
-              <a:rPr lang="en-US" b="1" dirty="0"/>
+              <a:rPr lang="en-US" dirty="0">
+                <a:latin typeface="Arial" panose="020B0604020202020204" pitchFamily="34" charset="0"/>
+                <a:cs typeface="Arial" panose="020B0604020202020204" pitchFamily="34" charset="0"/>
+              </a:rPr>
+              <a:t>With the KNN Classifier Model predicting the outcome of future games produces accuracy scores in the mid-to-upper fifty percent and lower sixty percent range. A plausible reason for the lower accuracy scores is that the model has difficulties when it comes to accurately predicting away team victories. When trying to predict both the testing and validation data, the model recorded a large number of false negatives relative to the number of away team victories. This could be due to there being more games in which the home team wins. </a:t>
+            </a:r>
+          </a:p>
+          <a:p>
+            <a:endParaRPr lang="en-US" dirty="0">
+              <a:latin typeface="Arial" panose="020B0604020202020204" pitchFamily="34" charset="0"/>
+              <a:cs typeface="Arial" panose="020B0604020202020204" pitchFamily="34" charset="0"/>
+            </a:endParaRPr>
+          </a:p>
+          <a:p>
+            <a:r>
+              <a:rPr lang="en-US" b="1" dirty="0">
+                <a:latin typeface="Arial" panose="020B0604020202020204" pitchFamily="34" charset="0"/>
+                <a:cs typeface="Arial" panose="020B0604020202020204" pitchFamily="34" charset="0"/>
+              </a:rPr>
               <a:t>Future Work</a:t>
             </a:r>
-            <a:endParaRPr lang="en-US" dirty="0"/>
-          </a:p>
-          <a:p>
-            <a:r>
-              <a:rPr lang="en-US" dirty="0"/>
-              <a:t>Possible future work for this project is trying different ranges for the number of games that are included in the rolling averages of the team statistics, similar to that of the optimal number of neighbors. Perhaps other models need to be taken into consideration like Support Vector Machines.</a:t>
+            <a:endParaRPr lang="en-US" dirty="0">
+              <a:latin typeface="Arial" panose="020B0604020202020204" pitchFamily="34" charset="0"/>
+              <a:cs typeface="Arial" panose="020B0604020202020204" pitchFamily="34" charset="0"/>
+            </a:endParaRPr>
+          </a:p>
+          <a:p>
+            <a:r>
+              <a:rPr lang="en-US" dirty="0">
+                <a:latin typeface="Arial" panose="020B0604020202020204" pitchFamily="34" charset="0"/>
+                <a:cs typeface="Arial" panose="020B0604020202020204" pitchFamily="34" charset="0"/>
+              </a:rPr>
+              <a:t>Future work for this project could </a:t>
+            </a:r>
+            <a:r>
+              <a:rPr lang="en-US" dirty="0" err="1">
+                <a:latin typeface="Arial" panose="020B0604020202020204" pitchFamily="34" charset="0"/>
+                <a:cs typeface="Arial" panose="020B0604020202020204" pitchFamily="34" charset="0"/>
+              </a:rPr>
+              <a:t>inslude</a:t>
+            </a:r>
+            <a:r>
+              <a:rPr lang="en-US" dirty="0">
+                <a:latin typeface="Arial" panose="020B0604020202020204" pitchFamily="34" charset="0"/>
+                <a:cs typeface="Arial" panose="020B0604020202020204" pitchFamily="34" charset="0"/>
+              </a:rPr>
+              <a:t> trying different ranges for the number of games that are included in the rolling averages of the team statistics, similar to that of the optimal number of neighbors. Perhaps other models need to be taken into consideration like Support Vector Machines.</a:t>
             </a:r>
           </a:p>
           <a:p>
@@ -10636,14 +10903,22 @@
             <p:ph type="body" sz="quarter" idx="27"/>
           </p:nvPr>
         </p:nvSpPr>
-        <p:spPr/>
+        <p:spPr>
+          <a:xfrm>
+            <a:off x="33320619" y="13674585"/>
+            <a:ext cx="10047018" cy="754045"/>
+          </a:xfrm>
+        </p:spPr>
         <p:txBody>
           <a:bodyPr/>
           <a:lstStyle/>
           <a:p>
             <a:pPr algn="ctr"/>
             <a:r>
-              <a:rPr lang="en-US" dirty="0"/>
+              <a:rPr lang="en-US" dirty="0">
+                <a:latin typeface="Arial" panose="020B0604020202020204" pitchFamily="34" charset="0"/>
+                <a:cs typeface="Arial" panose="020B0604020202020204" pitchFamily="34" charset="0"/>
+              </a:rPr>
               <a:t>References</a:t>
             </a:r>
           </a:p>
@@ -10667,17 +10942,24 @@
         </p:nvSpPr>
         <p:spPr>
           <a:xfrm>
-            <a:off x="33390292" y="15011403"/>
-            <a:ext cx="10052050" cy="10802935"/>
+            <a:off x="33390292" y="14575272"/>
+            <a:ext cx="10052050" cy="11618543"/>
           </a:xfrm>
-          <a:noFill/>
+          <a:solidFill>
+            <a:schemeClr val="bg1">
+              <a:lumMod val="85000"/>
+            </a:schemeClr>
+          </a:solidFill>
         </p:spPr>
         <p:txBody>
           <a:bodyPr/>
           <a:lstStyle/>
           <a:p>
             <a:r>
-              <a:rPr lang="en-US" sz="2400" b="1" dirty="0"/>
+              <a:rPr lang="en-US" b="1" dirty="0">
+                <a:latin typeface="Arial" panose="020B0604020202020204" pitchFamily="34" charset="0"/>
+                <a:cs typeface="Arial" panose="020B0604020202020204" pitchFamily="34" charset="0"/>
+              </a:rPr>
               <a:t>Tools</a:t>
             </a:r>
           </a:p>
@@ -10687,7 +10969,10 @@
               <a:buChar char="•"/>
             </a:pPr>
             <a:r>
-              <a:rPr lang="en-US" sz="2400" dirty="0"/>
+              <a:rPr lang="en-US" dirty="0">
+                <a:latin typeface="Arial" panose="020B0604020202020204" pitchFamily="34" charset="0"/>
+                <a:cs typeface="Arial" panose="020B0604020202020204" pitchFamily="34" charset="0"/>
+              </a:rPr>
               <a:t>Python v. 3.11.5</a:t>
             </a:r>
           </a:p>
@@ -10697,7 +10982,10 @@
               <a:buChar char="•"/>
             </a:pPr>
             <a:r>
-              <a:rPr lang="en-US" sz="2400" dirty="0"/>
+              <a:rPr lang="en-US" dirty="0">
+                <a:latin typeface="Arial" panose="020B0604020202020204" pitchFamily="34" charset="0"/>
+                <a:cs typeface="Arial" panose="020B0604020202020204" pitchFamily="34" charset="0"/>
+              </a:rPr>
               <a:t>Pandas v. 2.1.4</a:t>
             </a:r>
           </a:p>
@@ -10707,7 +10995,10 @@
               <a:buChar char="•"/>
             </a:pPr>
             <a:r>
-              <a:rPr lang="en-US" sz="2400" dirty="0"/>
+              <a:rPr lang="en-US" dirty="0">
+                <a:latin typeface="Arial" panose="020B0604020202020204" pitchFamily="34" charset="0"/>
+                <a:cs typeface="Arial" panose="020B0604020202020204" pitchFamily="34" charset="0"/>
+              </a:rPr>
               <a:t>NumPy v. 1.26.3</a:t>
             </a:r>
           </a:p>
@@ -10717,7 +11008,10 @@
               <a:buChar char="•"/>
             </a:pPr>
             <a:r>
-              <a:rPr lang="en-US" sz="2400" dirty="0"/>
+              <a:rPr lang="en-US" dirty="0">
+                <a:latin typeface="Arial" panose="020B0604020202020204" pitchFamily="34" charset="0"/>
+                <a:cs typeface="Arial" panose="020B0604020202020204" pitchFamily="34" charset="0"/>
+              </a:rPr>
               <a:t>Matplotlib v. 3.8.0</a:t>
             </a:r>
           </a:p>
@@ -10727,23 +11021,38 @@
               <a:buChar char="•"/>
             </a:pPr>
             <a:r>
-              <a:rPr lang="en-US" sz="2400" dirty="0"/>
+              <a:rPr lang="en-US" dirty="0">
+                <a:latin typeface="Arial" panose="020B0604020202020204" pitchFamily="34" charset="0"/>
+                <a:cs typeface="Arial" panose="020B0604020202020204" pitchFamily="34" charset="0"/>
+              </a:rPr>
               <a:t>Sci-kit learn v. 1.2/2</a:t>
             </a:r>
           </a:p>
           <a:p>
-            <a:endParaRPr lang="en-US" sz="2400" b="1" dirty="0"/>
-          </a:p>
-          <a:p>
-            <a:r>
-              <a:rPr lang="en-US" sz="2400" b="1" dirty="0"/>
+            <a:endParaRPr lang="en-US" b="1" dirty="0">
+              <a:latin typeface="Arial" panose="020B0604020202020204" pitchFamily="34" charset="0"/>
+              <a:cs typeface="Arial" panose="020B0604020202020204" pitchFamily="34" charset="0"/>
+            </a:endParaRPr>
+          </a:p>
+          <a:p>
+            <a:r>
+              <a:rPr lang="en-US" b="1" dirty="0">
+                <a:latin typeface="Arial" panose="020B0604020202020204" pitchFamily="34" charset="0"/>
+                <a:cs typeface="Arial" panose="020B0604020202020204" pitchFamily="34" charset="0"/>
+              </a:rPr>
               <a:t>References</a:t>
             </a:r>
-            <a:endParaRPr lang="en-US" sz="2400" dirty="0"/>
-          </a:p>
-          <a:p>
-            <a:r>
-              <a:rPr lang="en-US" sz="2400" dirty="0"/>
+            <a:endParaRPr lang="en-US" dirty="0">
+              <a:latin typeface="Arial" panose="020B0604020202020204" pitchFamily="34" charset="0"/>
+              <a:cs typeface="Arial" panose="020B0604020202020204" pitchFamily="34" charset="0"/>
+            </a:endParaRPr>
+          </a:p>
+          <a:p>
+            <a:r>
+              <a:rPr lang="en-US" dirty="0">
+                <a:latin typeface="Arial" panose="020B0604020202020204" pitchFamily="34" charset="0"/>
+                <a:cs typeface="Arial" panose="020B0604020202020204" pitchFamily="34" charset="0"/>
+              </a:rPr>
               <a:t>Kaggle Dataset </a:t>
             </a:r>
           </a:p>
@@ -10753,87 +11062,108 @@
               <a:buChar char="•"/>
             </a:pPr>
             <a:r>
-              <a:rPr lang="en-US" sz="2400" dirty="0" err="1">
+              <a:rPr lang="en-US" dirty="0" err="1">
                 <a:effectLst/>
-                <a:latin typeface="Times New Roman" panose="02020603050405020304" pitchFamily="18" charset="0"/>
-                <a:cs typeface="Times New Roman" panose="02020603050405020304" pitchFamily="18" charset="0"/>
+                <a:latin typeface="Arial" panose="020B0604020202020204" pitchFamily="34" charset="0"/>
+                <a:cs typeface="Arial" panose="020B0604020202020204" pitchFamily="34" charset="0"/>
               </a:rPr>
               <a:t>cviaxmiwnptr</a:t>
             </a:r>
             <a:r>
-              <a:rPr lang="en-US" sz="2400" dirty="0">
+              <a:rPr lang="en-US" dirty="0">
                 <a:effectLst/>
-                <a:latin typeface="Times New Roman" panose="02020603050405020304" pitchFamily="18" charset="0"/>
-                <a:cs typeface="Times New Roman" panose="02020603050405020304" pitchFamily="18" charset="0"/>
+                <a:latin typeface="Arial" panose="020B0604020202020204" pitchFamily="34" charset="0"/>
+                <a:cs typeface="Arial" panose="020B0604020202020204" pitchFamily="34" charset="0"/>
               </a:rPr>
               <a:t>. NFL Team Stats 2002 - Feb. 2023 (ESPN). </a:t>
             </a:r>
             <a:r>
-              <a:rPr lang="en-US" sz="2400" i="1" dirty="0">
+              <a:rPr lang="en-US" i="1" dirty="0">
                 <a:effectLst/>
-                <a:latin typeface="Times New Roman" panose="02020603050405020304" pitchFamily="18" charset="0"/>
-                <a:cs typeface="Times New Roman" panose="02020603050405020304" pitchFamily="18" charset="0"/>
+                <a:latin typeface="Arial" panose="020B0604020202020204" pitchFamily="34" charset="0"/>
+                <a:cs typeface="Arial" panose="020B0604020202020204" pitchFamily="34" charset="0"/>
               </a:rPr>
               <a:t>Kaggle</a:t>
             </a:r>
             <a:r>
-              <a:rPr lang="en-US" sz="2400" dirty="0">
+              <a:rPr lang="en-US" dirty="0">
                 <a:effectLst/>
-                <a:latin typeface="Times New Roman" panose="02020603050405020304" pitchFamily="18" charset="0"/>
-                <a:cs typeface="Times New Roman" panose="02020603050405020304" pitchFamily="18" charset="0"/>
+                <a:latin typeface="Arial" panose="020B0604020202020204" pitchFamily="34" charset="0"/>
+                <a:cs typeface="Arial" panose="020B0604020202020204" pitchFamily="34" charset="0"/>
               </a:rPr>
               <a:t>. Retrieved 18. Jan 2024 from </a:t>
             </a:r>
             <a:r>
-              <a:rPr lang="en-US" sz="2400" dirty="0">
+              <a:rPr lang="en-US" dirty="0">
                 <a:solidFill>
                   <a:srgbClr val="5E5E5E"/>
                 </a:solidFill>
                 <a:effectLst/>
-                <a:latin typeface="Times New Roman" panose="02020603050405020304" pitchFamily="18" charset="0"/>
-                <a:cs typeface="Times New Roman" panose="02020603050405020304" pitchFamily="18" charset="0"/>
-                <a:hlinkClick r:id="rId2"/>
+                <a:latin typeface="Arial" panose="020B0604020202020204" pitchFamily="34" charset="0"/>
+                <a:cs typeface="Arial" panose="020B0604020202020204" pitchFamily="34" charset="0"/>
+                <a:hlinkClick r:id="rId3"/>
               </a:rPr>
               <a:t>https://www.kaggle.com/datasets/cviaxmiwnptr/nfl-team-stats-20022019-espn</a:t>
             </a:r>
             <a:r>
-              <a:rPr lang="en-US" sz="2400" dirty="0">
+              <a:rPr lang="en-US" dirty="0">
                 <a:solidFill>
                   <a:srgbClr val="5E5E5E"/>
                 </a:solidFill>
                 <a:effectLst/>
-                <a:latin typeface="Times New Roman" panose="02020603050405020304" pitchFamily="18" charset="0"/>
-                <a:cs typeface="Times New Roman" panose="02020603050405020304" pitchFamily="18" charset="0"/>
+                <a:latin typeface="Arial" panose="020B0604020202020204" pitchFamily="34" charset="0"/>
+                <a:cs typeface="Arial" panose="020B0604020202020204" pitchFamily="34" charset="0"/>
               </a:rPr>
               <a:t>. </a:t>
             </a:r>
           </a:p>
           <a:p>
-            <a:endParaRPr lang="en-US" sz="2400" dirty="0"/>
-          </a:p>
-          <a:p>
-            <a:r>
-              <a:rPr lang="en-US" sz="2400" i="1" dirty="0"/>
+            <a:endParaRPr lang="en-US" dirty="0">
+              <a:latin typeface="Arial" panose="020B0604020202020204" pitchFamily="34" charset="0"/>
+              <a:cs typeface="Arial" panose="020B0604020202020204" pitchFamily="34" charset="0"/>
+            </a:endParaRPr>
+          </a:p>
+          <a:p>
+            <a:r>
+              <a:rPr lang="en-US" i="1" dirty="0">
+                <a:latin typeface="Arial" panose="020B0604020202020204" pitchFamily="34" charset="0"/>
+                <a:cs typeface="Arial" panose="020B0604020202020204" pitchFamily="34" charset="0"/>
+              </a:rPr>
               <a:t>Decision </a:t>
             </a:r>
             <a:r>
-              <a:rPr lang="en-US" sz="2400" i="1" dirty="0" err="1"/>
+              <a:rPr lang="en-US" i="1" dirty="0" err="1">
+                <a:latin typeface="Arial" panose="020B0604020202020204" pitchFamily="34" charset="0"/>
+                <a:cs typeface="Arial" panose="020B0604020202020204" pitchFamily="34" charset="0"/>
+              </a:rPr>
               <a:t>Analystics</a:t>
             </a:r>
             <a:r>
-              <a:rPr lang="en-US" sz="2400" i="1" dirty="0"/>
+              <a:rPr lang="en-US" i="1" dirty="0">
+                <a:latin typeface="Arial" panose="020B0604020202020204" pitchFamily="34" charset="0"/>
+                <a:cs typeface="Arial" panose="020B0604020202020204" pitchFamily="34" charset="0"/>
+              </a:rPr>
               <a:t> </a:t>
             </a:r>
             <a:r>
-              <a:rPr lang="en-US" sz="2400" i="1" dirty="0" err="1"/>
+              <a:rPr lang="en-US" i="1" dirty="0" err="1">
+                <a:latin typeface="Arial" panose="020B0604020202020204" pitchFamily="34" charset="0"/>
+                <a:cs typeface="Arial" panose="020B0604020202020204" pitchFamily="34" charset="0"/>
+              </a:rPr>
               <a:t>Jorunal</a:t>
             </a:r>
             <a:r>
-              <a:rPr lang="en-US" sz="2400" i="1" dirty="0"/>
+              <a:rPr lang="en-US" i="1" dirty="0">
+                <a:latin typeface="Arial" panose="020B0604020202020204" pitchFamily="34" charset="0"/>
+                <a:cs typeface="Arial" panose="020B0604020202020204" pitchFamily="34" charset="0"/>
+              </a:rPr>
               <a:t> </a:t>
             </a:r>
             <a:r>
-              <a:rPr lang="en-US" sz="2400" dirty="0"/>
+              <a:rPr lang="en-US" dirty="0">
+                <a:latin typeface="Arial" panose="020B0604020202020204" pitchFamily="34" charset="0"/>
+                <a:cs typeface="Arial" panose="020B0604020202020204" pitchFamily="34" charset="0"/>
+              </a:rPr>
               <a:t>NFL Article</a:t>
             </a:r>
           </a:p>
@@ -10843,107 +11173,113 @@
               <a:buChar char="•"/>
             </a:pPr>
             <a:r>
-              <a:rPr lang="en-US" sz="2400" dirty="0">
-                <a:latin typeface="Times New Roman" panose="02020603050405020304" pitchFamily="18" charset="0"/>
-                <a:cs typeface="Times New Roman" panose="02020603050405020304" pitchFamily="18" charset="0"/>
+              <a:rPr lang="en-US" dirty="0">
+                <a:latin typeface="Arial" panose="020B0604020202020204" pitchFamily="34" charset="0"/>
+                <a:cs typeface="Arial" panose="020B0604020202020204" pitchFamily="34" charset="0"/>
               </a:rPr>
               <a:t>Cl</a:t>
             </a:r>
             <a:r>
-              <a:rPr lang="en-US" sz="2400" dirty="0">
+              <a:rPr lang="en-US" dirty="0">
                 <a:effectLst/>
-                <a:latin typeface="Times New Roman" panose="02020603050405020304" pitchFamily="18" charset="0"/>
-                <a:cs typeface="Times New Roman" panose="02020603050405020304" pitchFamily="18" charset="0"/>
+                <a:latin typeface="Arial" panose="020B0604020202020204" pitchFamily="34" charset="0"/>
+                <a:cs typeface="Arial" panose="020B0604020202020204" pitchFamily="34" charset="0"/>
               </a:rPr>
               <a:t>ifford, Matt, and </a:t>
             </a:r>
             <a:r>
-              <a:rPr lang="en-US" sz="2400" dirty="0" err="1">
+              <a:rPr lang="en-US" dirty="0" err="1">
                 <a:effectLst/>
-                <a:latin typeface="Times New Roman" panose="02020603050405020304" pitchFamily="18" charset="0"/>
-                <a:cs typeface="Times New Roman" panose="02020603050405020304" pitchFamily="18" charset="0"/>
+                <a:latin typeface="Arial" panose="020B0604020202020204" pitchFamily="34" charset="0"/>
+                <a:cs typeface="Arial" panose="020B0604020202020204" pitchFamily="34" charset="0"/>
               </a:rPr>
               <a:t>Tuncay</a:t>
             </a:r>
             <a:r>
-              <a:rPr lang="en-US" sz="2400" dirty="0">
+              <a:rPr lang="en-US" dirty="0">
                 <a:effectLst/>
-                <a:latin typeface="Times New Roman" panose="02020603050405020304" pitchFamily="18" charset="0"/>
-                <a:cs typeface="Times New Roman" panose="02020603050405020304" pitchFamily="18" charset="0"/>
+                <a:latin typeface="Arial" panose="020B0604020202020204" pitchFamily="34" charset="0"/>
+                <a:cs typeface="Arial" panose="020B0604020202020204" pitchFamily="34" charset="0"/>
               </a:rPr>
               <a:t> </a:t>
             </a:r>
             <a:r>
-              <a:rPr lang="en-US" sz="2400" dirty="0" err="1">
+              <a:rPr lang="en-US" dirty="0" err="1">
                 <a:effectLst/>
-                <a:latin typeface="Times New Roman" panose="02020603050405020304" pitchFamily="18" charset="0"/>
-                <a:cs typeface="Times New Roman" panose="02020603050405020304" pitchFamily="18" charset="0"/>
+                <a:latin typeface="Arial" panose="020B0604020202020204" pitchFamily="34" charset="0"/>
+                <a:cs typeface="Arial" panose="020B0604020202020204" pitchFamily="34" charset="0"/>
               </a:rPr>
               <a:t>Bayrak</a:t>
             </a:r>
             <a:r>
-              <a:rPr lang="en-US" sz="2400" dirty="0">
+              <a:rPr lang="en-US" dirty="0">
                 <a:effectLst/>
-                <a:latin typeface="Times New Roman" panose="02020603050405020304" pitchFamily="18" charset="0"/>
-                <a:cs typeface="Times New Roman" panose="02020603050405020304" pitchFamily="18" charset="0"/>
+                <a:latin typeface="Arial" panose="020B0604020202020204" pitchFamily="34" charset="0"/>
+                <a:cs typeface="Arial" panose="020B0604020202020204" pitchFamily="34" charset="0"/>
               </a:rPr>
               <a:t>. “A predictive analytics model for forecasting outcomes in the National Football League games using decision tree and logistic regression.” </a:t>
             </a:r>
             <a:r>
-              <a:rPr lang="en-US" sz="2400" i="1" dirty="0">
+              <a:rPr lang="en-US" i="1" dirty="0">
                 <a:effectLst/>
-                <a:latin typeface="Times New Roman" panose="02020603050405020304" pitchFamily="18" charset="0"/>
-                <a:cs typeface="Times New Roman" panose="02020603050405020304" pitchFamily="18" charset="0"/>
+                <a:latin typeface="Arial" panose="020B0604020202020204" pitchFamily="34" charset="0"/>
+                <a:cs typeface="Arial" panose="020B0604020202020204" pitchFamily="34" charset="0"/>
               </a:rPr>
               <a:t>Decision Analytics Journal, </a:t>
             </a:r>
             <a:r>
-              <a:rPr lang="en-US" sz="2400" dirty="0">
+              <a:rPr lang="en-US" dirty="0">
                 <a:effectLst/>
-                <a:latin typeface="Times New Roman" panose="02020603050405020304" pitchFamily="18" charset="0"/>
-                <a:cs typeface="Times New Roman" panose="02020603050405020304" pitchFamily="18" charset="0"/>
+                <a:latin typeface="Arial" panose="020B0604020202020204" pitchFamily="34" charset="0"/>
+                <a:cs typeface="Arial" panose="020B0604020202020204" pitchFamily="34" charset="0"/>
               </a:rPr>
               <a:t>vol. 8, 2023. </a:t>
             </a:r>
             <a:r>
-              <a:rPr lang="en-US" sz="2400" i="1" dirty="0">
+              <a:rPr lang="en-US" i="1" dirty="0">
                 <a:effectLst/>
-                <a:latin typeface="Times New Roman" panose="02020603050405020304" pitchFamily="18" charset="0"/>
-                <a:cs typeface="Times New Roman" panose="02020603050405020304" pitchFamily="18" charset="0"/>
+                <a:latin typeface="Arial" panose="020B0604020202020204" pitchFamily="34" charset="0"/>
+                <a:cs typeface="Arial" panose="020B0604020202020204" pitchFamily="34" charset="0"/>
               </a:rPr>
               <a:t>Science Direct, </a:t>
             </a:r>
             <a:r>
-              <a:rPr lang="en-US" sz="2400" dirty="0">
+              <a:rPr lang="en-US" dirty="0">
                 <a:solidFill>
                   <a:srgbClr val="0260BF"/>
                 </a:solidFill>
                 <a:effectLst/>
-                <a:latin typeface="Times New Roman" panose="02020603050405020304" pitchFamily="18" charset="0"/>
-                <a:cs typeface="Times New Roman" panose="02020603050405020304" pitchFamily="18" charset="0"/>
-                <a:hlinkClick r:id="rId3"/>
+                <a:latin typeface="Arial" panose="020B0604020202020204" pitchFamily="34" charset="0"/>
+                <a:cs typeface="Arial" panose="020B0604020202020204" pitchFamily="34" charset="0"/>
+                <a:hlinkClick r:id="rId4"/>
               </a:rPr>
               <a:t>https://doi.org/10.1016/j.dajour.2023.100296</a:t>
             </a:r>
             <a:r>
-              <a:rPr lang="en-US" sz="2400" dirty="0">
+              <a:rPr lang="en-US" dirty="0">
                 <a:effectLst/>
-                <a:latin typeface="Times New Roman" panose="02020603050405020304" pitchFamily="18" charset="0"/>
-                <a:cs typeface="Times New Roman" panose="02020603050405020304" pitchFamily="18" charset="0"/>
+                <a:latin typeface="Arial" panose="020B0604020202020204" pitchFamily="34" charset="0"/>
+                <a:cs typeface="Arial" panose="020B0604020202020204" pitchFamily="34" charset="0"/>
               </a:rPr>
               <a:t>. Accessed 15 Jan. 2024 </a:t>
             </a:r>
-            <a:endParaRPr lang="en-US" sz="2400" dirty="0">
-              <a:latin typeface="Times New Roman" panose="02020603050405020304" pitchFamily="18" charset="0"/>
-              <a:cs typeface="Times New Roman" panose="02020603050405020304" pitchFamily="18" charset="0"/>
+            <a:endParaRPr lang="en-US" dirty="0">
+              <a:latin typeface="Arial" panose="020B0604020202020204" pitchFamily="34" charset="0"/>
+              <a:cs typeface="Arial" panose="020B0604020202020204" pitchFamily="34" charset="0"/>
             </a:endParaRPr>
           </a:p>
           <a:p>
-            <a:endParaRPr lang="en-US" sz="2400" dirty="0"/>
-          </a:p>
-          <a:p>
-            <a:r>
-              <a:rPr lang="en-US" sz="2400" dirty="0"/>
+            <a:endParaRPr lang="en-US" dirty="0">
+              <a:latin typeface="Arial" panose="020B0604020202020204" pitchFamily="34" charset="0"/>
+              <a:cs typeface="Arial" panose="020B0604020202020204" pitchFamily="34" charset="0"/>
+            </a:endParaRPr>
+          </a:p>
+          <a:p>
+            <a:r>
+              <a:rPr lang="en-US" dirty="0">
+                <a:latin typeface="Arial" panose="020B0604020202020204" pitchFamily="34" charset="0"/>
+                <a:cs typeface="Arial" panose="020B0604020202020204" pitchFamily="34" charset="0"/>
+              </a:rPr>
               <a:t>ESPN Schedule Webpage</a:t>
             </a:r>
           </a:p>
@@ -10953,24 +11289,24 @@
               <a:buChar char="•"/>
             </a:pPr>
             <a:r>
-              <a:rPr lang="en-US" sz="2400" dirty="0">
-                <a:latin typeface="Times New Roman" panose="02020603050405020304" pitchFamily="18" charset="0"/>
-                <a:cs typeface="Times New Roman" panose="02020603050405020304" pitchFamily="18" charset="0"/>
+              <a:rPr lang="en-US" dirty="0">
+                <a:latin typeface="Arial" panose="020B0604020202020204" pitchFamily="34" charset="0"/>
+                <a:cs typeface="Arial" panose="020B0604020202020204" pitchFamily="34" charset="0"/>
               </a:rPr>
               <a:t>“NFL Schedule.” ESPN. </a:t>
             </a:r>
             <a:r>
-              <a:rPr lang="en-US" sz="2400" dirty="0">
-                <a:latin typeface="Times New Roman" panose="02020603050405020304" pitchFamily="18" charset="0"/>
-                <a:cs typeface="Times New Roman" panose="02020603050405020304" pitchFamily="18" charset="0"/>
-                <a:hlinkClick r:id="rId4"/>
+              <a:rPr lang="en-US" dirty="0">
+                <a:latin typeface="Arial" panose="020B0604020202020204" pitchFamily="34" charset="0"/>
+                <a:cs typeface="Arial" panose="020B0604020202020204" pitchFamily="34" charset="0"/>
+                <a:hlinkClick r:id="rId5"/>
               </a:rPr>
               <a:t>https://www.espn.com/nfl/schedule/_/week/5/year/2022/seasontype/3</a:t>
             </a:r>
             <a:r>
-              <a:rPr lang="en-US" sz="2400" dirty="0">
-                <a:latin typeface="Times New Roman" panose="02020603050405020304" pitchFamily="18" charset="0"/>
-                <a:cs typeface="Times New Roman" panose="02020603050405020304" pitchFamily="18" charset="0"/>
+              <a:rPr lang="en-US" dirty="0">
+                <a:latin typeface="Arial" panose="020B0604020202020204" pitchFamily="34" charset="0"/>
+                <a:cs typeface="Arial" panose="020B0604020202020204" pitchFamily="34" charset="0"/>
               </a:rPr>
               <a:t>. Accessed 22 Feb. 2024.</a:t>
             </a:r>
@@ -10995,7 +11331,7 @@
         </p:nvSpPr>
         <p:spPr>
           <a:xfrm>
-            <a:off x="33390292" y="28399661"/>
+            <a:off x="33306025" y="26627856"/>
             <a:ext cx="10047018" cy="754045"/>
           </a:xfrm>
         </p:spPr>
@@ -11005,7 +11341,10 @@
           <a:p>
             <a:pPr algn="ctr"/>
             <a:r>
-              <a:rPr lang="en-US" dirty="0"/>
+              <a:rPr lang="en-US" dirty="0">
+                <a:latin typeface="Arial" panose="020B0604020202020204" pitchFamily="34" charset="0"/>
+                <a:cs typeface="Arial" panose="020B0604020202020204" pitchFamily="34" charset="0"/>
+              </a:rPr>
               <a:t>Contact</a:t>
             </a:r>
           </a:p>
@@ -11029,32 +11368,47 @@
         </p:nvSpPr>
         <p:spPr>
           <a:xfrm>
-            <a:off x="33390292" y="29246025"/>
+            <a:off x="33300993" y="27428919"/>
             <a:ext cx="10052050" cy="1308028"/>
           </a:xfrm>
-          <a:noFill/>
+          <a:solidFill>
+            <a:schemeClr val="bg1">
+              <a:lumMod val="85000"/>
+            </a:schemeClr>
+          </a:solidFill>
         </p:spPr>
         <p:txBody>
           <a:bodyPr/>
           <a:lstStyle/>
           <a:p>
             <a:r>
-              <a:rPr lang="en-US" dirty="0"/>
+              <a:rPr lang="en-US" dirty="0">
+                <a:latin typeface="Arial" panose="020B0604020202020204" pitchFamily="34" charset="0"/>
+                <a:cs typeface="Arial" panose="020B0604020202020204" pitchFamily="34" charset="0"/>
+              </a:rPr>
               <a:t>Nicholas Romano</a:t>
             </a:r>
           </a:p>
           <a:p>
             <a:r>
-              <a:rPr lang="en-US" dirty="0"/>
+              <a:rPr lang="en-US" dirty="0">
+                <a:latin typeface="Arial" panose="020B0604020202020204" pitchFamily="34" charset="0"/>
+                <a:cs typeface="Arial" panose="020B0604020202020204" pitchFamily="34" charset="0"/>
+              </a:rPr>
               <a:t>School Email: </a:t>
             </a:r>
             <a:r>
               <a:rPr lang="en-US" dirty="0">
-                <a:hlinkClick r:id="rId5"/>
+                <a:latin typeface="Arial" panose="020B0604020202020204" pitchFamily="34" charset="0"/>
+                <a:cs typeface="Arial" panose="020B0604020202020204" pitchFamily="34" charset="0"/>
+                <a:hlinkClick r:id="rId6"/>
               </a:rPr>
               <a:t>nromano@bellarmine.edu</a:t>
             </a:r>
-            <a:endParaRPr lang="en-US" dirty="0"/>
+            <a:endParaRPr lang="en-US" dirty="0">
+              <a:latin typeface="Arial" panose="020B0604020202020204" pitchFamily="34" charset="0"/>
+              <a:cs typeface="Arial" panose="020B0604020202020204" pitchFamily="34" charset="0"/>
+            </a:endParaRPr>
           </a:p>
         </p:txBody>
       </p:sp>
@@ -11076,8 +11430,8 @@
         </p:nvSpPr>
         <p:spPr>
           <a:xfrm>
-            <a:off x="459674" y="12219763"/>
-            <a:ext cx="10056813" cy="10618269"/>
+            <a:off x="523563" y="12588725"/>
+            <a:ext cx="10056813" cy="9760802"/>
           </a:xfrm>
           <a:noFill/>
           <a:ln>
@@ -11089,54 +11443,84 @@
           <a:lstStyle/>
           <a:p>
             <a:r>
-              <a:rPr lang="en-US" dirty="0"/>
-              <a:t>This project focuses on incorporating offensive and defensive team statistics over the previous few weeks and somehow integrate them into a model that will predict who would win an upcoming NFL game.</a:t>
-            </a:r>
-          </a:p>
-          <a:p>
-            <a:endParaRPr lang="en-US" dirty="0"/>
-          </a:p>
-          <a:p>
-            <a:r>
-              <a:rPr lang="en-US" dirty="0"/>
-              <a:t>The reason for considering the performance of a team over a span of a few games is because it might help take into consideration teams are either going through somewhat of a slump and teams that have been playing on the top of their game.</a:t>
-            </a:r>
-          </a:p>
-          <a:p>
-            <a:endParaRPr lang="en-US" dirty="0"/>
-          </a:p>
-          <a:p>
-            <a:r>
-              <a:rPr lang="en-US" dirty="0"/>
-              <a:t>This project focuses on the future research directions proposed by Matt Clifford and </a:t>
-            </a:r>
-            <a:r>
-              <a:rPr lang="en-US" dirty="0" err="1"/>
+              <a:rPr lang="en-US" dirty="0">
+                <a:latin typeface="Arial" panose="020B0604020202020204" pitchFamily="34" charset="0"/>
+                <a:cs typeface="Arial" panose="020B0604020202020204" pitchFamily="34" charset="0"/>
+              </a:rPr>
+              <a:t>This project focused on incorporating offensive and defensive team statistics over previous games played and integrate them into a model that will predict who would win an upcoming NFL game.</a:t>
+            </a:r>
+          </a:p>
+          <a:p>
+            <a:endParaRPr lang="en-US" dirty="0">
+              <a:latin typeface="Arial" panose="020B0604020202020204" pitchFamily="34" charset="0"/>
+              <a:cs typeface="Arial" panose="020B0604020202020204" pitchFamily="34" charset="0"/>
+            </a:endParaRPr>
+          </a:p>
+          <a:p>
+            <a:r>
+              <a:rPr lang="en-US" dirty="0">
+                <a:latin typeface="Arial" panose="020B0604020202020204" pitchFamily="34" charset="0"/>
+                <a:cs typeface="Arial" panose="020B0604020202020204" pitchFamily="34" charset="0"/>
+              </a:rPr>
+              <a:t>The decision for considering the performance of a team over a span of a few games was made because it was thought that taking into account past performances might help take into consideration teams are either going through somewhat of a slump and teams that have been playing on the top of their game.</a:t>
+            </a:r>
+          </a:p>
+          <a:p>
+            <a:endParaRPr lang="en-US" dirty="0">
+              <a:latin typeface="Arial" panose="020B0604020202020204" pitchFamily="34" charset="0"/>
+              <a:cs typeface="Arial" panose="020B0604020202020204" pitchFamily="34" charset="0"/>
+            </a:endParaRPr>
+          </a:p>
+          <a:p>
+            <a:r>
+              <a:rPr lang="en-US" dirty="0">
+                <a:latin typeface="Arial" panose="020B0604020202020204" pitchFamily="34" charset="0"/>
+                <a:cs typeface="Arial" panose="020B0604020202020204" pitchFamily="34" charset="0"/>
+              </a:rPr>
+              <a:t>This project focused on the future research directions propositions by Matt Clifford and </a:t>
+            </a:r>
+            <a:r>
+              <a:rPr lang="en-US" dirty="0" err="1">
+                <a:latin typeface="Arial" panose="020B0604020202020204" pitchFamily="34" charset="0"/>
+                <a:cs typeface="Arial" panose="020B0604020202020204" pitchFamily="34" charset="0"/>
+              </a:rPr>
               <a:t>Tuncay</a:t>
             </a:r>
             <a:r>
-              <a:rPr lang="en-US" dirty="0"/>
+              <a:rPr lang="en-US" dirty="0">
+                <a:latin typeface="Arial" panose="020B0604020202020204" pitchFamily="34" charset="0"/>
+                <a:cs typeface="Arial" panose="020B0604020202020204" pitchFamily="34" charset="0"/>
+              </a:rPr>
               <a:t> </a:t>
             </a:r>
             <a:r>
-              <a:rPr lang="en-US" dirty="0" err="1"/>
+              <a:rPr lang="en-US" dirty="0" err="1">
+                <a:latin typeface="Arial" panose="020B0604020202020204" pitchFamily="34" charset="0"/>
+                <a:cs typeface="Arial" panose="020B0604020202020204" pitchFamily="34" charset="0"/>
+              </a:rPr>
               <a:t>Bayrak</a:t>
             </a:r>
             <a:r>
-              <a:rPr lang="en-US" dirty="0"/>
+              <a:rPr lang="en-US" dirty="0">
+                <a:latin typeface="Arial" panose="020B0604020202020204" pitchFamily="34" charset="0"/>
+                <a:cs typeface="Arial" panose="020B0604020202020204" pitchFamily="34" charset="0"/>
+              </a:rPr>
               <a:t> in their </a:t>
             </a:r>
             <a:r>
-              <a:rPr lang="en-US" i="1" dirty="0"/>
+              <a:rPr lang="en-US" i="1" dirty="0">
+                <a:latin typeface="Arial" panose="020B0604020202020204" pitchFamily="34" charset="0"/>
+                <a:cs typeface="Arial" panose="020B0604020202020204" pitchFamily="34" charset="0"/>
+              </a:rPr>
               <a:t>Decision Analytics Journal</a:t>
             </a:r>
             <a:r>
-              <a:rPr lang="en-US" dirty="0"/>
+              <a:rPr lang="en-US" dirty="0">
+                <a:latin typeface="Arial" panose="020B0604020202020204" pitchFamily="34" charset="0"/>
+                <a:cs typeface="Arial" panose="020B0604020202020204" pitchFamily="34" charset="0"/>
+              </a:rPr>
               <a:t>:</a:t>
             </a:r>
-          </a:p>
-          <a:p>
-            <a:endParaRPr lang="en-US" dirty="0"/>
           </a:p>
           <a:p>
             <a:pPr marL="457200" indent="-457200">
@@ -11144,7 +11528,10 @@
               <a:buChar char="•"/>
             </a:pPr>
             <a:r>
-              <a:rPr lang="en-US" dirty="0"/>
+              <a:rPr lang="en-US" dirty="0">
+                <a:latin typeface="Arial" panose="020B0604020202020204" pitchFamily="34" charset="0"/>
+                <a:cs typeface="Arial" panose="020B0604020202020204" pitchFamily="34" charset="0"/>
+              </a:rPr>
               <a:t>Limiting the data to a shorter window of seasons to train the model on</a:t>
             </a:r>
           </a:p>
@@ -11154,16 +11541,25 @@
               <a:buChar char="•"/>
             </a:pPr>
             <a:r>
-              <a:rPr lang="en-US" dirty="0"/>
+              <a:rPr lang="en-US" dirty="0">
+                <a:latin typeface="Arial" panose="020B0604020202020204" pitchFamily="34" charset="0"/>
+                <a:cs typeface="Arial" panose="020B0604020202020204" pitchFamily="34" charset="0"/>
+              </a:rPr>
               <a:t>Trying to primarily focus and train a model on previous game data.</a:t>
             </a:r>
           </a:p>
           <a:p>
-            <a:endParaRPr lang="en-US" dirty="0"/>
-          </a:p>
-          <a:p>
-            <a:r>
-              <a:rPr lang="en-US" dirty="0"/>
+            <a:endParaRPr lang="en-US" dirty="0">
+              <a:latin typeface="Arial" panose="020B0604020202020204" pitchFamily="34" charset="0"/>
+              <a:cs typeface="Arial" panose="020B0604020202020204" pitchFamily="34" charset="0"/>
+            </a:endParaRPr>
+          </a:p>
+          <a:p>
+            <a:r>
+              <a:rPr lang="en-US" dirty="0">
+                <a:latin typeface="Arial" panose="020B0604020202020204" pitchFamily="34" charset="0"/>
+                <a:cs typeface="Arial" panose="020B0604020202020204" pitchFamily="34" charset="0"/>
+              </a:rPr>
               <a:t>Objectives</a:t>
             </a:r>
           </a:p>
@@ -11173,21 +11569,11 @@
               <a:buChar char="•"/>
             </a:pPr>
             <a:r>
-              <a:rPr lang="en-US" dirty="0"/>
-              <a:t>The goal of this project is developing a predictive analytics model that can be used to predict the outcomes of NFL games using team's previous game statistics.</a:t>
-            </a:r>
-          </a:p>
-          <a:p>
-            <a:endParaRPr lang="en-US" dirty="0"/>
-          </a:p>
-          <a:p>
-            <a:pPr marL="457200" indent="-457200">
-              <a:buFont typeface="Arial" panose="020B0604020202020204" pitchFamily="34" charset="0"/>
-              <a:buChar char="•"/>
-            </a:pPr>
-            <a:r>
-              <a:rPr lang="en-US" dirty="0"/>
-              <a:t>Although the dataset used for this project includes data dating back to 2002, the model will be trained on data since 2012, with the idea of including game data when the NFL become more of a pass heavy offensive league.</a:t>
+              <a:rPr lang="en-US" dirty="0">
+                <a:latin typeface="Arial" panose="020B0604020202020204" pitchFamily="34" charset="0"/>
+                <a:cs typeface="Arial" panose="020B0604020202020204" pitchFamily="34" charset="0"/>
+              </a:rPr>
+              <a:t>The goal of this project was to develop a predictive analytics model that can be used to predict the outcomes of NFL games using team's previous game statistics.</a:t>
             </a:r>
           </a:p>
         </p:txBody>
@@ -11295,20 +11681,20 @@
           <p:nvPr/>
         </p:nvPicPr>
         <p:blipFill rotWithShape="1">
-          <a:blip r:embed="rId6">
+          <a:blip r:embed="rId7">
             <a:extLst>
               <a:ext uri="{28A0092B-C50C-407E-A947-70E740481C1C}">
                 <a14:useLocalDpi xmlns:a14="http://schemas.microsoft.com/office/drawing/2010/main" val="0"/>
               </a:ext>
             </a:extLst>
           </a:blip>
-          <a:srcRect l="7644" r="7749"/>
+          <a:srcRect l="7644" t="6654" r="8111"/>
           <a:stretch/>
         </p:blipFill>
         <p:spPr>
           <a:xfrm>
-            <a:off x="467613" y="24816864"/>
-            <a:ext cx="9305286" cy="6426092"/>
+            <a:off x="538157" y="22669024"/>
+            <a:ext cx="10058400" cy="6840096"/>
           </a:xfrm>
           <a:prstGeom prst="rect">
             <a:avLst/>
@@ -11333,7 +11719,7 @@
           <p:nvPr/>
         </p:nvPicPr>
         <p:blipFill>
-          <a:blip r:embed="rId7">
+          <a:blip r:embed="rId8">
             <a:extLst>
               <a:ext uri="{28A0092B-C50C-407E-A947-70E740481C1C}">
                 <a14:useLocalDpi xmlns:a14="http://schemas.microsoft.com/office/drawing/2010/main" val="0"/>
@@ -11346,8 +11732,8 @@
         </p:blipFill>
         <p:spPr>
           <a:xfrm>
-            <a:off x="22420461" y="26519373"/>
-            <a:ext cx="4965735" cy="4435149"/>
+            <a:off x="22385343" y="26363521"/>
+            <a:ext cx="5522976" cy="4932849"/>
           </a:xfrm>
           <a:prstGeom prst="rect">
             <a:avLst/>
@@ -11374,7 +11760,7 @@
           <p:nvPr/>
         </p:nvPicPr>
         <p:blipFill>
-          <a:blip r:embed="rId8">
+          <a:blip r:embed="rId9">
             <a:extLst>
               <a:ext uri="{28A0092B-C50C-407E-A947-70E740481C1C}">
                 <a14:useLocalDpi xmlns:a14="http://schemas.microsoft.com/office/drawing/2010/main" val="0"/>
@@ -11387,8 +11773,8 @@
         </p:blipFill>
         <p:spPr>
           <a:xfrm>
-            <a:off x="22420462" y="19271712"/>
-            <a:ext cx="4965734" cy="4435149"/>
+            <a:off x="22388820" y="18264101"/>
+            <a:ext cx="5525318" cy="4934942"/>
           </a:xfrm>
           <a:prstGeom prst="rect">
             <a:avLst/>
@@ -11414,22 +11800,21 @@
           </p:cNvPicPr>
           <p:nvPr/>
         </p:nvPicPr>
-        <p:blipFill>
-          <a:blip r:embed="rId9">
+        <p:blipFill rotWithShape="1">
+          <a:blip r:embed="rId10">
             <a:extLst>
               <a:ext uri="{28A0092B-C50C-407E-A947-70E740481C1C}">
                 <a14:useLocalDpi xmlns:a14="http://schemas.microsoft.com/office/drawing/2010/main" val="0"/>
               </a:ext>
             </a:extLst>
           </a:blip>
-          <a:stretch>
-            <a:fillRect/>
-          </a:stretch>
+          <a:srcRect l="4852" t="6211" r="5939" b="3669"/>
+          <a:stretch/>
         </p:blipFill>
         <p:spPr>
           <a:xfrm>
-            <a:off x="11500381" y="24319551"/>
-            <a:ext cx="9970358" cy="6885381"/>
+            <a:off x="11456986" y="23695141"/>
+            <a:ext cx="9708686" cy="5855554"/>
           </a:xfrm>
           <a:prstGeom prst="rect">
             <a:avLst/>
@@ -11451,7 +11836,7 @@
           <p:nvPr/>
         </p:nvPicPr>
         <p:blipFill>
-          <a:blip r:embed="rId10">
+          <a:blip r:embed="rId11">
             <a:extLst>
               <a:ext uri="{28A0092B-C50C-407E-A947-70E740481C1C}">
                 <a14:useLocalDpi xmlns:a14="http://schemas.microsoft.com/office/drawing/2010/main" val="0"/>
@@ -11464,8 +11849,8 @@
         </p:blipFill>
         <p:spPr>
           <a:xfrm>
-            <a:off x="22420463" y="16459200"/>
-            <a:ext cx="8289509" cy="2812512"/>
+            <a:off x="22388820" y="15201371"/>
+            <a:ext cx="10045397" cy="3054242"/>
           </a:xfrm>
           <a:prstGeom prst="rect">
             <a:avLst/>
@@ -11492,7 +11877,7 @@
           <p:nvPr/>
         </p:nvPicPr>
         <p:blipFill>
-          <a:blip r:embed="rId11">
+          <a:blip r:embed="rId12">
             <a:extLst>
               <a:ext uri="{28A0092B-C50C-407E-A947-70E740481C1C}">
                 <a14:useLocalDpi xmlns:a14="http://schemas.microsoft.com/office/drawing/2010/main" val="0"/>
@@ -11505,8 +11890,8 @@
         </p:blipFill>
         <p:spPr>
           <a:xfrm>
-            <a:off x="22420462" y="23706861"/>
-            <a:ext cx="8289509" cy="2812512"/>
+            <a:off x="22388820" y="23309425"/>
+            <a:ext cx="10045396" cy="3054096"/>
           </a:xfrm>
           <a:prstGeom prst="rect">
             <a:avLst/>
@@ -11518,6 +11903,204 @@
           </a:ln>
         </p:spPr>
       </p:pic>
+      <p:sp>
+        <p:nvSpPr>
+          <p:cNvPr id="19" name="TextBox 18">
+            <a:extLst>
+              <a:ext uri="{FF2B5EF4-FFF2-40B4-BE49-F238E27FC236}">
+                <a16:creationId xmlns:a16="http://schemas.microsoft.com/office/drawing/2014/main" id="{24234EFD-F224-2FF8-42AA-EFAE52CC517E}"/>
+              </a:ext>
+            </a:extLst>
+          </p:cNvPr>
+          <p:cNvSpPr txBox="1"/>
+          <p:nvPr/>
+        </p:nvSpPr>
+        <p:spPr>
+          <a:xfrm>
+            <a:off x="538156" y="29251380"/>
+            <a:ext cx="9972279" cy="1569660"/>
+          </a:xfrm>
+          <a:prstGeom prst="rect">
+            <a:avLst/>
+          </a:prstGeom>
+          <a:noFill/>
+          <a:ln>
+            <a:solidFill>
+              <a:schemeClr val="tx1"/>
+            </a:solidFill>
+          </a:ln>
+        </p:spPr>
+        <p:txBody>
+          <a:bodyPr wrap="square" rtlCol="0">
+            <a:spAutoFit/>
+          </a:bodyPr>
+          <a:lstStyle/>
+          <a:p>
+            <a:r>
+              <a:rPr lang="en-US" sz="2400" b="1" i="1" dirty="0">
+                <a:latin typeface="Arial" panose="020B0604020202020204" pitchFamily="34" charset="0"/>
+                <a:cs typeface="Arial" panose="020B0604020202020204" pitchFamily="34" charset="0"/>
+              </a:rPr>
+              <a:t>Figure 1: </a:t>
+            </a:r>
+            <a:r>
+              <a:rPr lang="en-US" sz="2400" dirty="0">
+                <a:latin typeface="Arial" panose="020B0604020202020204" pitchFamily="34" charset="0"/>
+                <a:cs typeface="Arial" panose="020B0604020202020204" pitchFamily="34" charset="0"/>
+              </a:rPr>
+              <a:t>Since the 2012, the NFL has seen an upward trend on the average number of passing plays and a downturn on the average number of rushing plays ran per game. This observation helped to pinpoint the cutoff of the data used for the model.</a:t>
+            </a:r>
+          </a:p>
+        </p:txBody>
+      </p:sp>
+      <p:sp>
+        <p:nvSpPr>
+          <p:cNvPr id="20" name="TextBox 19">
+            <a:extLst>
+              <a:ext uri="{FF2B5EF4-FFF2-40B4-BE49-F238E27FC236}">
+                <a16:creationId xmlns:a16="http://schemas.microsoft.com/office/drawing/2014/main" id="{9748D2D7-A945-B02C-DB57-289AC47A0213}"/>
+              </a:ext>
+            </a:extLst>
+          </p:cNvPr>
+          <p:cNvSpPr txBox="1"/>
+          <p:nvPr/>
+        </p:nvSpPr>
+        <p:spPr>
+          <a:xfrm>
+            <a:off x="11485331" y="29550695"/>
+            <a:ext cx="9680341" cy="1569660"/>
+          </a:xfrm>
+          <a:prstGeom prst="rect">
+            <a:avLst/>
+          </a:prstGeom>
+          <a:noFill/>
+          <a:ln>
+            <a:solidFill>
+              <a:schemeClr val="tx1"/>
+            </a:solidFill>
+          </a:ln>
+        </p:spPr>
+        <p:txBody>
+          <a:bodyPr wrap="square" rtlCol="0">
+            <a:spAutoFit/>
+          </a:bodyPr>
+          <a:lstStyle/>
+          <a:p>
+            <a:r>
+              <a:rPr lang="en-US" sz="2400" b="1" i="1" dirty="0">
+                <a:latin typeface="Arial" panose="020B0604020202020204" pitchFamily="34" charset="0"/>
+                <a:cs typeface="Arial" panose="020B0604020202020204" pitchFamily="34" charset="0"/>
+              </a:rPr>
+              <a:t>Figure 2:</a:t>
+            </a:r>
+            <a:r>
+              <a:rPr lang="en-US" sz="2400" dirty="0">
+                <a:latin typeface="Arial" panose="020B0604020202020204" pitchFamily="34" charset="0"/>
+                <a:cs typeface="Arial" panose="020B0604020202020204" pitchFamily="34" charset="0"/>
+              </a:rPr>
+              <a:t> A for loop was created to iterate through the train, test, and validation steps of the model with different numbers of neighbors being considered. The lines represent the accuracy scores of the testing data (blue) and validation data (red).</a:t>
+            </a:r>
+          </a:p>
+        </p:txBody>
+      </p:sp>
+      <p:sp>
+        <p:nvSpPr>
+          <p:cNvPr id="21" name="TextBox 20">
+            <a:extLst>
+              <a:ext uri="{FF2B5EF4-FFF2-40B4-BE49-F238E27FC236}">
+                <a16:creationId xmlns:a16="http://schemas.microsoft.com/office/drawing/2014/main" id="{C5D370D1-DB8F-3653-A55E-28892B80C573}"/>
+              </a:ext>
+            </a:extLst>
+          </p:cNvPr>
+          <p:cNvSpPr txBox="1"/>
+          <p:nvPr/>
+        </p:nvSpPr>
+        <p:spPr>
+          <a:xfrm>
+            <a:off x="28025030" y="18826633"/>
+            <a:ext cx="4453833" cy="3785652"/>
+          </a:xfrm>
+          <a:prstGeom prst="rect">
+            <a:avLst/>
+          </a:prstGeom>
+          <a:noFill/>
+        </p:spPr>
+        <p:txBody>
+          <a:bodyPr wrap="square" rtlCol="0">
+            <a:spAutoFit/>
+          </a:bodyPr>
+          <a:lstStyle/>
+          <a:p>
+            <a:r>
+              <a:rPr lang="en-US" sz="2400" b="1" i="1" dirty="0">
+                <a:latin typeface="Arial" panose="020B0604020202020204" pitchFamily="34" charset="0"/>
+                <a:cs typeface="Arial" panose="020B0604020202020204" pitchFamily="34" charset="0"/>
+              </a:rPr>
+              <a:t>Figure 3 (top), Figure 4 (left):</a:t>
+            </a:r>
+            <a:r>
+              <a:rPr lang="en-US" sz="2400" dirty="0">
+                <a:latin typeface="Arial" panose="020B0604020202020204" pitchFamily="34" charset="0"/>
+                <a:cs typeface="Arial" panose="020B0604020202020204" pitchFamily="34" charset="0"/>
+              </a:rPr>
+              <a:t> The classification report (top) helped provide the numerical breakdown of the accuracy of the predictions made by the model on the testing data. The confusion matrix (left) help to provide a visual breakdown of the predictions made by the model on the testing data.</a:t>
+            </a:r>
+            <a:endParaRPr lang="en-US" sz="2400" b="1" i="1" dirty="0">
+              <a:latin typeface="Arial" panose="020B0604020202020204" pitchFamily="34" charset="0"/>
+              <a:cs typeface="Arial" panose="020B0604020202020204" pitchFamily="34" charset="0"/>
+            </a:endParaRPr>
+          </a:p>
+        </p:txBody>
+      </p:sp>
+      <p:sp>
+        <p:nvSpPr>
+          <p:cNvPr id="25" name="TextBox 24">
+            <a:extLst>
+              <a:ext uri="{FF2B5EF4-FFF2-40B4-BE49-F238E27FC236}">
+                <a16:creationId xmlns:a16="http://schemas.microsoft.com/office/drawing/2014/main" id="{17DA7B40-7CBC-EDC6-7F1D-22FB6B106085}"/>
+              </a:ext>
+            </a:extLst>
+          </p:cNvPr>
+          <p:cNvSpPr txBox="1"/>
+          <p:nvPr/>
+        </p:nvSpPr>
+        <p:spPr>
+          <a:xfrm>
+            <a:off x="27980383" y="26937119"/>
+            <a:ext cx="4453833" cy="3785652"/>
+          </a:xfrm>
+          <a:prstGeom prst="rect">
+            <a:avLst/>
+          </a:prstGeom>
+          <a:noFill/>
+        </p:spPr>
+        <p:txBody>
+          <a:bodyPr wrap="square">
+            <a:spAutoFit/>
+          </a:bodyPr>
+          <a:lstStyle/>
+          <a:p>
+            <a:r>
+              <a:rPr lang="en-US" sz="2400" b="1" i="1" dirty="0">
+                <a:latin typeface="Arial" panose="020B0604020202020204" pitchFamily="34" charset="0"/>
+                <a:cs typeface="Arial" panose="020B0604020202020204" pitchFamily="34" charset="0"/>
+              </a:rPr>
+              <a:t>Figure 5 (top), Figure 6 (left):</a:t>
+            </a:r>
+            <a:r>
+              <a:rPr lang="en-US" sz="2400" dirty="0">
+                <a:latin typeface="Arial" panose="020B0604020202020204" pitchFamily="34" charset="0"/>
+                <a:cs typeface="Arial" panose="020B0604020202020204" pitchFamily="34" charset="0"/>
+              </a:rPr>
+              <a:t> The classification report (top) helped provide the numerical breakdown of the accuracy of the predictions made by the model on the validation data. The confusion matrix (left) help to provide a visual breakdown of the predictions made by the model on the validation data.</a:t>
+            </a:r>
+            <a:endParaRPr lang="en-US" sz="2400" b="1" i="1" dirty="0">
+              <a:latin typeface="Arial" panose="020B0604020202020204" pitchFamily="34" charset="0"/>
+              <a:cs typeface="Arial" panose="020B0604020202020204" pitchFamily="34" charset="0"/>
+            </a:endParaRPr>
+          </a:p>
+        </p:txBody>
+      </p:sp>
     </p:spTree>
     <p:extLst>
       <p:ext uri="{BB962C8B-B14F-4D97-AF65-F5344CB8AC3E}">

--- a/PresentationPoster_NVR.pptx
+++ b/PresentationPoster_NVR.pptx
@@ -256,7 +256,7 @@
             <a:fld id="{0158C5BC-9A70-462C-B28D-9600239EAC64}" type="datetimeFigureOut">
               <a:rPr lang="en-US" smtClean="0"/>
               <a:pPr/>
-              <a:t>3/23/24</a:t>
+              <a:t>4/29/24</a:t>
             </a:fld>
             <a:endParaRPr lang="en-US"/>
           </a:p>
@@ -423,7 +423,7 @@
             <a:fld id="{E6CC2317-6751-4CD4-9995-8782DD78E936}" type="datetimeFigureOut">
               <a:rPr lang="en-US" smtClean="0"/>
               <a:pPr/>
-              <a:t>3/23/24</a:t>
+              <a:t>4/29/24</a:t>
             </a:fld>
             <a:endParaRPr lang="en-US" dirty="0"/>
           </a:p>
@@ -10596,7 +10596,7 @@
                 <a:latin typeface="Arial" panose="020B0604020202020204" pitchFamily="34" charset="0"/>
                 <a:cs typeface="Arial" panose="020B0604020202020204" pitchFamily="34" charset="0"/>
               </a:rPr>
-              <a:t>For the model, the validation data that was selected was the most recent year in the dataset (the 2022-203 NFL Season). </a:t>
+              <a:t>For the model, the validation data that was selected was the most recent year in the dataset (the 2022-2023 NFL Season). </a:t>
             </a:r>
           </a:p>
           <a:p>
@@ -10865,21 +10865,21 @@
                 <a:latin typeface="Arial" panose="020B0604020202020204" pitchFamily="34" charset="0"/>
                 <a:cs typeface="Arial" panose="020B0604020202020204" pitchFamily="34" charset="0"/>
               </a:rPr>
-              <a:t>Future work for this project could </a:t>
-            </a:r>
-            <a:r>
-              <a:rPr lang="en-US" dirty="0" err="1">
+              <a:t>Future work for this project </a:t>
+            </a:r>
+            <a:r>
+              <a:rPr lang="en-US">
                 <a:latin typeface="Arial" panose="020B0604020202020204" pitchFamily="34" charset="0"/>
                 <a:cs typeface="Arial" panose="020B0604020202020204" pitchFamily="34" charset="0"/>
               </a:rPr>
-              <a:t>inslude</a:t>
+              <a:t>could include </a:t>
             </a:r>
             <a:r>
               <a:rPr lang="en-US" dirty="0">
                 <a:latin typeface="Arial" panose="020B0604020202020204" pitchFamily="34" charset="0"/>
                 <a:cs typeface="Arial" panose="020B0604020202020204" pitchFamily="34" charset="0"/>
               </a:rPr>
-              <a:t> trying different ranges for the number of games that are included in the rolling averages of the team statistics, similar to that of the optimal number of neighbors. Perhaps other models need to be taken into consideration like Support Vector Machines.</a:t>
+              <a:t>trying different ranges for the number of games that are included in the rolling averages of the team statistics, similar to that of the optimal number of neighbors. Perhaps other models need to be taken into consideration like Support Vector Machines.</a:t>
             </a:r>
           </a:p>
           <a:p>
